--- a/2023/hercules2023_D_coherence_transport.pptx
+++ b/2023/hercules2023_D_coherence_transport.pptx
@@ -247,7 +247,7 @@
             <a:fld id="{D680E798-53FF-4C51-A981-953463752515}" type="datetimeFigureOut">
               <a:rPr lang="fr-FR" smtClean="0"/>
               <a:pPr/>
-              <a:t>17/03/2022</a:t>
+              <a:t>24/03/2023</a:t>
             </a:fld>
             <a:endParaRPr lang="fr-FR"/>
           </a:p>
@@ -697,9 +697,10 @@
           <a:lstStyle/>
           <a:p>
             <a:r>
-              <a:rPr lang="en-US" noProof="0"/>
+              <a:rPr lang="en-US" noProof="0" smtClean="0"/>
               <a:t>26/07/2013</a:t>
             </a:r>
+            <a:endParaRPr lang="en-US" noProof="0"/>
           </a:p>
         </p:txBody>
       </p:sp>
@@ -763,8 +764,8 @@
           </a:lstStyle>
           <a:p>
             <a:r>
-              <a:rPr lang="en-US" noProof="0"/>
-              <a:t>OASYS-Coherence transport | HERCULES2022</a:t>
+              <a:rPr lang="en-US" noProof="0" smtClean="0"/>
+              <a:t>OASYS-Coherence transport | HERCULES2023</a:t>
             </a:r>
             <a:endParaRPr lang="en-US" noProof="0" dirty="0"/>
           </a:p>
@@ -1042,9 +1043,10 @@
           <a:lstStyle/>
           <a:p>
             <a:r>
-              <a:rPr lang="en-US" noProof="0"/>
+              <a:rPr lang="en-US" noProof="0" smtClean="0"/>
               <a:t>26/07/2013</a:t>
             </a:r>
+            <a:endParaRPr lang="en-US" noProof="0"/>
           </a:p>
         </p:txBody>
       </p:sp>
@@ -1092,9 +1094,10 @@
           <a:lstStyle/>
           <a:p>
             <a:r>
-              <a:rPr lang="en-US" noProof="0"/>
-              <a:t>OASYS-Coherence transport | HERCULES2022</a:t>
-            </a:r>
+              <a:rPr lang="en-US" noProof="0" smtClean="0"/>
+              <a:t>OASYS-Coherence transport | HERCULES2023</a:t>
+            </a:r>
+            <a:endParaRPr lang="en-US" noProof="0"/>
           </a:p>
         </p:txBody>
       </p:sp>
@@ -1229,9 +1232,10 @@
           <a:lstStyle/>
           <a:p>
             <a:r>
-              <a:rPr lang="en-US" noProof="0"/>
+              <a:rPr lang="en-US" noProof="0" smtClean="0"/>
               <a:t>26/07/2013</a:t>
             </a:r>
+            <a:endParaRPr lang="en-US" noProof="0"/>
           </a:p>
         </p:txBody>
       </p:sp>
@@ -1279,9 +1283,10 @@
           <a:lstStyle/>
           <a:p>
             <a:r>
-              <a:rPr lang="en-US" noProof="0"/>
-              <a:t>OASYS-Coherence transport | HERCULES2022</a:t>
-            </a:r>
+              <a:rPr lang="en-US" noProof="0" smtClean="0"/>
+              <a:t>OASYS-Coherence transport | HERCULES2023</a:t>
+            </a:r>
+            <a:endParaRPr lang="en-US" noProof="0"/>
           </a:p>
         </p:txBody>
       </p:sp>
@@ -1348,9 +1353,10 @@
           <a:lstStyle/>
           <a:p>
             <a:r>
-              <a:rPr lang="en-US" noProof="0"/>
+              <a:rPr lang="en-US" noProof="0" smtClean="0"/>
               <a:t>26/07/2013</a:t>
             </a:r>
+            <a:endParaRPr lang="en-US" noProof="0"/>
           </a:p>
         </p:txBody>
       </p:sp>
@@ -1398,9 +1404,10 @@
           <a:lstStyle/>
           <a:p>
             <a:r>
-              <a:rPr lang="en-US" noProof="0"/>
-              <a:t>OASYS-Coherence transport | HERCULES2022</a:t>
-            </a:r>
+              <a:rPr lang="en-US" noProof="0" smtClean="0"/>
+              <a:t>OASYS-Coherence transport | HERCULES2023</a:t>
+            </a:r>
+            <a:endParaRPr lang="en-US" noProof="0"/>
           </a:p>
         </p:txBody>
       </p:sp>
@@ -1590,7 +1597,7 @@
           </a:lstStyle>
           <a:p>
             <a:r>
-              <a:rPr lang="en-US"/>
+              <a:rPr lang="en-US" smtClean="0"/>
               <a:t>26/07/2013</a:t>
             </a:r>
             <a:endParaRPr lang="fr-FR" dirty="0"/>
@@ -1631,8 +1638,8 @@
           </a:lstStyle>
           <a:p>
             <a:r>
-              <a:rPr lang="en-US"/>
-              <a:t>OASYS-Coherence transport | HERCULES2022</a:t>
+              <a:rPr lang="en-US" smtClean="0"/>
+              <a:t>OASYS-Coherence transport | HERCULES2023</a:t>
             </a:r>
             <a:endParaRPr lang="fr-FR" dirty="0"/>
           </a:p>
@@ -2127,8 +2134,8 @@
           <a:lstStyle/>
           <a:p>
             <a:r>
-              <a:rPr lang="en-US" noProof="0"/>
-              <a:t>OASYS-Coherence transport | HERCULES2022</a:t>
+              <a:rPr lang="en-US" noProof="0" smtClean="0"/>
+              <a:t>OASYS-Coherence transport | HERCULES2023</a:t>
             </a:r>
             <a:endParaRPr lang="en-US" noProof="0" dirty="0"/>
           </a:p>
@@ -2555,8 +2562,8 @@
           <a:lstStyle/>
           <a:p>
             <a:r>
-              <a:rPr lang="en-US" noProof="0"/>
-              <a:t>OASYS-Coherence transport | HERCULES2022</a:t>
+              <a:rPr lang="en-US" noProof="0" smtClean="0"/>
+              <a:t>OASYS-Coherence transport | HERCULES2023</a:t>
             </a:r>
             <a:endParaRPr lang="en-US" noProof="0" dirty="0"/>
           </a:p>
@@ -3359,8 +3366,8 @@
           <a:lstStyle/>
           <a:p>
             <a:r>
-              <a:rPr lang="en-US" noProof="0"/>
-              <a:t>OASYS-Coherence transport | HERCULES2022</a:t>
+              <a:rPr lang="en-US" noProof="0" smtClean="0"/>
+              <a:t>OASYS-Coherence transport | HERCULES2023</a:t>
             </a:r>
             <a:endParaRPr lang="en-US" noProof="0" dirty="0"/>
           </a:p>
@@ -3866,9 +3873,10 @@
           <a:lstStyle/>
           <a:p>
             <a:r>
-              <a:rPr lang="en-US" noProof="0" dirty="0"/>
-              <a:t>OASYS-Coherence transport | HERCULES2022</a:t>
-            </a:r>
+              <a:rPr lang="en-US" noProof="0" smtClean="0"/>
+              <a:t>OASYS-Coherence transport | HERCULES2023</a:t>
+            </a:r>
+            <a:endParaRPr lang="en-US" noProof="0" dirty="0"/>
           </a:p>
         </p:txBody>
       </p:sp>
@@ -5536,8 +5544,8 @@
           <a:lstStyle/>
           <a:p>
             <a:r>
-              <a:rPr lang="en-US" noProof="0"/>
-              <a:t>OASYS-Coherence transport | HERCULES2022</a:t>
+              <a:rPr lang="en-US" noProof="0" smtClean="0"/>
+              <a:t>OASYS-Coherence transport | HERCULES2023</a:t>
             </a:r>
             <a:endParaRPr lang="en-US" noProof="0" dirty="0"/>
           </a:p>
@@ -6088,24 +6096,37 @@
             <a:pPr algn="ctr"/>
             <a:r>
               <a:rPr lang="en-US" sz="1167" dirty="0"/>
-              <a:t>March 15</a:t>
-            </a:r>
-            <a:r>
-              <a:rPr lang="en-US" sz="1167" baseline="30000" dirty="0"/>
+              <a:t>March </a:t>
+            </a:r>
+            <a:r>
+              <a:rPr lang="en-US" sz="1167" dirty="0" smtClean="0"/>
+              <a:t>27</a:t>
+            </a:r>
+            <a:r>
+              <a:rPr lang="en-US" sz="1167" baseline="30000" dirty="0" smtClean="0"/>
               <a:t>th</a:t>
             </a:r>
             <a:r>
+              <a:rPr lang="en-US" sz="1167" dirty="0" smtClean="0"/>
+              <a:t> </a:t>
+            </a:r>
+            <a:r>
               <a:rPr lang="en-US" sz="1167" dirty="0"/>
-              <a:t> &amp; 17</a:t>
-            </a:r>
-            <a:r>
-              <a:rPr lang="en-US" sz="1167" baseline="30000" dirty="0"/>
+              <a:t>&amp; </a:t>
+            </a:r>
+            <a:r>
+              <a:rPr lang="en-US" sz="1167" dirty="0" smtClean="0"/>
+              <a:t>30</a:t>
+            </a:r>
+            <a:r>
+              <a:rPr lang="en-US" sz="1167" baseline="30000" dirty="0" smtClean="0"/>
               <a:t>th</a:t>
             </a:r>
             <a:r>
-              <a:rPr lang="en-US" sz="1167" dirty="0"/>
-              <a:t> 2022</a:t>
-            </a:r>
+              <a:rPr lang="en-US" sz="1167" dirty="0" smtClean="0"/>
+              <a:t> 2023</a:t>
+            </a:r>
+            <a:endParaRPr lang="en-US" sz="1167" dirty="0"/>
           </a:p>
           <a:p>
             <a:pPr algn="ctr"/>
@@ -6189,8 +6210,8 @@
           <a:lstStyle/>
           <a:p>
             <a:r>
-              <a:rPr lang="en-GB" sz="833"/>
-              <a:t>OASYS-Coherence transport | HERCULES2022</a:t>
+              <a:rPr lang="en-GB" sz="833" smtClean="0"/>
+              <a:t>OASYS-Coherence transport | HERCULES2023</a:t>
             </a:r>
             <a:endParaRPr lang="fr-FR" sz="833" dirty="0"/>
           </a:p>
@@ -6490,9 +6511,10 @@
           <a:lstStyle/>
           <a:p>
             <a:r>
-              <a:rPr lang="en-US" noProof="0"/>
-              <a:t>OASYS-Coherence transport | HERCULES2022</a:t>
-            </a:r>
+              <a:rPr lang="en-US" noProof="0" smtClean="0"/>
+              <a:t>OASYS-Coherence transport | HERCULES2023</a:t>
+            </a:r>
+            <a:endParaRPr lang="en-US" noProof="0"/>
           </a:p>
         </p:txBody>
       </p:sp>
@@ -6871,9 +6893,10 @@
           <a:lstStyle/>
           <a:p>
             <a:r>
-              <a:rPr lang="en-US" noProof="0"/>
-              <a:t>OASYS-Coherence transport | HERCULES2022</a:t>
-            </a:r>
+              <a:rPr lang="en-US" noProof="0" smtClean="0"/>
+              <a:t>OASYS-Coherence transport | HERCULES2023</a:t>
+            </a:r>
+            <a:endParaRPr lang="en-US" noProof="0"/>
           </a:p>
         </p:txBody>
       </p:sp>
@@ -7736,8 +7759,8 @@
           <a:lstStyle/>
           <a:p>
             <a:r>
-              <a:rPr lang="en-US" noProof="0"/>
-              <a:t>OASYS-Coherence transport | HERCULES2022</a:t>
+              <a:rPr lang="en-US" noProof="0" smtClean="0"/>
+              <a:t>OASYS-Coherence transport | HERCULES2023</a:t>
             </a:r>
             <a:endParaRPr lang="en-US" noProof="0" dirty="0"/>
           </a:p>
@@ -8390,8 +8413,8 @@
           <a:lstStyle/>
           <a:p>
             <a:r>
-              <a:rPr lang="en-US" noProof="0"/>
-              <a:t>OASYS-Coherence transport | HERCULES2022</a:t>
+              <a:rPr lang="en-US" noProof="0" smtClean="0"/>
+              <a:t>OASYS-Coherence transport | HERCULES2023</a:t>
             </a:r>
             <a:endParaRPr lang="en-US" noProof="0" dirty="0"/>
           </a:p>
@@ -10642,8 +10665,8 @@
           <a:lstStyle/>
           <a:p>
             <a:r>
-              <a:rPr lang="en-US" noProof="0"/>
-              <a:t>OASYS-Coherence transport | HERCULES2022</a:t>
+              <a:rPr lang="en-US" noProof="0" smtClean="0"/>
+              <a:t>OASYS-Coherence transport | HERCULES2023</a:t>
             </a:r>
             <a:endParaRPr lang="en-US" noProof="0" dirty="0"/>
           </a:p>
@@ -11116,8 +11139,8 @@
           <a:lstStyle/>
           <a:p>
             <a:r>
-              <a:rPr lang="en-US" noProof="0"/>
-              <a:t>OASYS-Coherence transport | HERCULES2022</a:t>
+              <a:rPr lang="en-US" noProof="0" smtClean="0"/>
+              <a:t>OASYS-Coherence transport | HERCULES2023</a:t>
             </a:r>
             <a:endParaRPr lang="en-US" noProof="0" dirty="0"/>
           </a:p>
@@ -12297,6 +12320,29 @@
               <a:t>Additional slides</a:t>
             </a:r>
             <a:endParaRPr lang="en-GB" dirty="0"/>
+          </a:p>
+        </p:txBody>
+      </p:sp>
+      <p:sp>
+        <p:nvSpPr>
+          <p:cNvPr id="3" name="Footer Placeholder 2"/>
+          <p:cNvSpPr>
+            <a:spLocks noGrp="1"/>
+          </p:cNvSpPr>
+          <p:nvPr>
+            <p:ph type="ftr" sz="quarter" idx="16"/>
+          </p:nvPr>
+        </p:nvSpPr>
+        <p:spPr/>
+        <p:txBody>
+          <a:bodyPr/>
+          <a:lstStyle/>
+          <a:p>
+            <a:r>
+              <a:rPr lang="en-US" noProof="0" smtClean="0"/>
+              <a:t>OASYS-Coherence transport | HERCULES2023</a:t>
+            </a:r>
+            <a:endParaRPr lang="en-US" noProof="0"/>
           </a:p>
         </p:txBody>
       </p:sp>
